--- a/trace_matrix_code_집에서짠거/코드 플로우.pptx
+++ b/trace_matrix_code_집에서짠거/코드 플로우.pptx
@@ -104,6 +104,11 @@
       </a:defRPr>
     </a:lvl9pPr>
   </p:defaultTextStyle>
+  <p:extLst>
+    <p:ext uri="{EFAFB233-063F-42B5-8137-9DF3F51BA10A}">
+      <p15:sldGuideLst xmlns:p15="http://schemas.microsoft.com/office/powerpoint/2012/main"/>
+    </p:ext>
+  </p:extLst>
 </p:presentation>
 </file>
 
@@ -238,7 +243,7 @@
           <a:p>
             <a:fld id="{30393DAD-E16F-4931-A17F-4E611E19BE9D}" type="datetimeFigureOut">
               <a:rPr lang="ko-KR" altLang="en-US" smtClean="0"/>
-              <a:t>2021-12-17</a:t>
+              <a:t>2022-01-03</a:t>
             </a:fld>
             <a:endParaRPr lang="ko-KR" altLang="en-US"/>
           </a:p>
@@ -408,7 +413,7 @@
           <a:p>
             <a:fld id="{30393DAD-E16F-4931-A17F-4E611E19BE9D}" type="datetimeFigureOut">
               <a:rPr lang="ko-KR" altLang="en-US" smtClean="0"/>
-              <a:t>2021-12-17</a:t>
+              <a:t>2022-01-03</a:t>
             </a:fld>
             <a:endParaRPr lang="ko-KR" altLang="en-US"/>
           </a:p>
@@ -588,7 +593,7 @@
           <a:p>
             <a:fld id="{30393DAD-E16F-4931-A17F-4E611E19BE9D}" type="datetimeFigureOut">
               <a:rPr lang="ko-KR" altLang="en-US" smtClean="0"/>
-              <a:t>2021-12-17</a:t>
+              <a:t>2022-01-03</a:t>
             </a:fld>
             <a:endParaRPr lang="ko-KR" altLang="en-US"/>
           </a:p>
@@ -758,7 +763,7 @@
           <a:p>
             <a:fld id="{30393DAD-E16F-4931-A17F-4E611E19BE9D}" type="datetimeFigureOut">
               <a:rPr lang="ko-KR" altLang="en-US" smtClean="0"/>
-              <a:t>2021-12-17</a:t>
+              <a:t>2022-01-03</a:t>
             </a:fld>
             <a:endParaRPr lang="ko-KR" altLang="en-US"/>
           </a:p>
@@ -1004,7 +1009,7 @@
           <a:p>
             <a:fld id="{30393DAD-E16F-4931-A17F-4E611E19BE9D}" type="datetimeFigureOut">
               <a:rPr lang="ko-KR" altLang="en-US" smtClean="0"/>
-              <a:t>2021-12-17</a:t>
+              <a:t>2022-01-03</a:t>
             </a:fld>
             <a:endParaRPr lang="ko-KR" altLang="en-US"/>
           </a:p>
@@ -1236,7 +1241,7 @@
           <a:p>
             <a:fld id="{30393DAD-E16F-4931-A17F-4E611E19BE9D}" type="datetimeFigureOut">
               <a:rPr lang="ko-KR" altLang="en-US" smtClean="0"/>
-              <a:t>2021-12-17</a:t>
+              <a:t>2022-01-03</a:t>
             </a:fld>
             <a:endParaRPr lang="ko-KR" altLang="en-US"/>
           </a:p>
@@ -1603,7 +1608,7 @@
           <a:p>
             <a:fld id="{30393DAD-E16F-4931-A17F-4E611E19BE9D}" type="datetimeFigureOut">
               <a:rPr lang="ko-KR" altLang="en-US" smtClean="0"/>
-              <a:t>2021-12-17</a:t>
+              <a:t>2022-01-03</a:t>
             </a:fld>
             <a:endParaRPr lang="ko-KR" altLang="en-US"/>
           </a:p>
@@ -1721,7 +1726,7 @@
           <a:p>
             <a:fld id="{30393DAD-E16F-4931-A17F-4E611E19BE9D}" type="datetimeFigureOut">
               <a:rPr lang="ko-KR" altLang="en-US" smtClean="0"/>
-              <a:t>2021-12-17</a:t>
+              <a:t>2022-01-03</a:t>
             </a:fld>
             <a:endParaRPr lang="ko-KR" altLang="en-US"/>
           </a:p>
@@ -1816,7 +1821,7 @@
           <a:p>
             <a:fld id="{30393DAD-E16F-4931-A17F-4E611E19BE9D}" type="datetimeFigureOut">
               <a:rPr lang="ko-KR" altLang="en-US" smtClean="0"/>
-              <a:t>2021-12-17</a:t>
+              <a:t>2022-01-03</a:t>
             </a:fld>
             <a:endParaRPr lang="ko-KR" altLang="en-US"/>
           </a:p>
@@ -2093,7 +2098,7 @@
           <a:p>
             <a:fld id="{30393DAD-E16F-4931-A17F-4E611E19BE9D}" type="datetimeFigureOut">
               <a:rPr lang="ko-KR" altLang="en-US" smtClean="0"/>
-              <a:t>2021-12-17</a:t>
+              <a:t>2022-01-03</a:t>
             </a:fld>
             <a:endParaRPr lang="ko-KR" altLang="en-US"/>
           </a:p>
@@ -2346,7 +2351,7 @@
           <a:p>
             <a:fld id="{30393DAD-E16F-4931-A17F-4E611E19BE9D}" type="datetimeFigureOut">
               <a:rPr lang="ko-KR" altLang="en-US" smtClean="0"/>
-              <a:t>2021-12-17</a:t>
+              <a:t>2022-01-03</a:t>
             </a:fld>
             <a:endParaRPr lang="ko-KR" altLang="en-US"/>
           </a:p>
@@ -2559,7 +2564,7 @@
           <a:p>
             <a:fld id="{30393DAD-E16F-4931-A17F-4E611E19BE9D}" type="datetimeFigureOut">
               <a:rPr lang="ko-KR" altLang="en-US" smtClean="0"/>
-              <a:t>2021-12-17</a:t>
+              <a:t>2022-01-03</a:t>
             </a:fld>
             <a:endParaRPr lang="ko-KR" altLang="en-US"/>
           </a:p>
@@ -4991,7 +4996,7 @@
             </a:br>
             <a:r>
               <a:rPr lang="en-US" altLang="ko-KR" sz="1400" b="1" dirty="0" smtClean="0"/>
-              <a:t>SysSwID_Info.xls</a:t>
+              <a:t>SysSwTSID_Info.xls</a:t>
             </a:r>
             <a:endParaRPr lang="ko-KR" altLang="en-US" sz="1400" b="1" dirty="0"/>
           </a:p>
@@ -5021,9 +5026,10 @@
           <a:p>
             <a:pPr algn="ctr"/>
             <a:r>
-              <a:rPr lang="en-US" altLang="ko-KR" sz="1400" b="1" dirty="0" smtClean="0"/>
-              <a:t>SysSwID_Info.xls</a:t>
-            </a:r>
+              <a:rPr lang="en-US" altLang="ko-KR" sz="1400" b="1" dirty="0"/>
+              <a:t>SysSwTSID_Info.xls</a:t>
+            </a:r>
+            <a:endParaRPr lang="en-US" altLang="ko-KR" sz="1400" b="1" dirty="0" smtClean="0"/>
           </a:p>
           <a:p>
             <a:pPr algn="ctr"/>
@@ -5264,6 +5270,40 @@
           </a:fontRef>
         </p:style>
       </p:cxnSp>
+      <p:sp>
+        <p:nvSpPr>
+          <p:cNvPr id="2" name="TextBox 1"/>
+          <p:cNvSpPr txBox="1"/>
+          <p:nvPr/>
+        </p:nvSpPr>
+        <p:spPr>
+          <a:xfrm>
+            <a:off x="4577550" y="6155573"/>
+            <a:ext cx="1310631" cy="276999"/>
+          </a:xfrm>
+          <a:prstGeom prst="rect">
+            <a:avLst/>
+          </a:prstGeom>
+          <a:noFill/>
+        </p:spPr>
+        <p:txBody>
+          <a:bodyPr wrap="square" rtlCol="0">
+            <a:spAutoFit/>
+          </a:bodyPr>
+          <a:lstStyle/>
+          <a:p>
+            <a:r>
+              <a:rPr lang="en-US" altLang="ko-KR" sz="1200" dirty="0" smtClean="0"/>
+              <a:t>TSC </a:t>
+            </a:r>
+            <a:r>
+              <a:rPr lang="ko-KR" altLang="en-US" sz="1200" dirty="0" smtClean="0"/>
+              <a:t>문서 추가</a:t>
+            </a:r>
+            <a:endParaRPr lang="en-US" altLang="ko-KR" sz="1200" dirty="0" smtClean="0"/>
+          </a:p>
+        </p:txBody>
+      </p:sp>
     </p:spTree>
     <p:extLst>
       <p:ext uri="{BB962C8B-B14F-4D97-AF65-F5344CB8AC3E}">
